--- a/浅谈SQL注入Bypass.pptx
+++ b/浅谈SQL注入Bypass.pptx
@@ -321,7 +321,7 @@
           <a:p>
             <a:fld id="{89052D16-0D82-47A9-B2A4-95C7DC51A569}" type="datetimeFigureOut">
               <a:rPr lang="zh-CN" altLang="en-US" smtClean="0"/>
-              <a:t>2016/4/8</a:t>
+              <a:t>2016/4/11</a:t>
             </a:fld>
             <a:endParaRPr lang="zh-CN" altLang="en-US"/>
           </a:p>
@@ -596,7 +596,7 @@
           <a:p>
             <a:fld id="{89052D16-0D82-47A9-B2A4-95C7DC51A569}" type="datetimeFigureOut">
               <a:rPr lang="zh-CN" altLang="en-US" smtClean="0"/>
-              <a:t>2016/4/8</a:t>
+              <a:t>2016/4/11</a:t>
             </a:fld>
             <a:endParaRPr lang="zh-CN" altLang="en-US"/>
           </a:p>
@@ -790,7 +790,7 @@
           <a:p>
             <a:fld id="{89052D16-0D82-47A9-B2A4-95C7DC51A569}" type="datetimeFigureOut">
               <a:rPr lang="zh-CN" altLang="en-US" smtClean="0"/>
-              <a:t>2016/4/8</a:t>
+              <a:t>2016/4/11</a:t>
             </a:fld>
             <a:endParaRPr lang="zh-CN" altLang="en-US"/>
           </a:p>
@@ -1063,7 +1063,7 @@
           <a:p>
             <a:fld id="{89052D16-0D82-47A9-B2A4-95C7DC51A569}" type="datetimeFigureOut">
               <a:rPr lang="zh-CN" altLang="en-US" smtClean="0"/>
-              <a:t>2016/4/8</a:t>
+              <a:t>2016/4/11</a:t>
             </a:fld>
             <a:endParaRPr lang="zh-CN" altLang="en-US"/>
           </a:p>
@@ -1404,7 +1404,7 @@
           <a:p>
             <a:fld id="{89052D16-0D82-47A9-B2A4-95C7DC51A569}" type="datetimeFigureOut">
               <a:rPr lang="zh-CN" altLang="en-US" smtClean="0"/>
-              <a:t>2016/4/8</a:t>
+              <a:t>2016/4/11</a:t>
             </a:fld>
             <a:endParaRPr lang="zh-CN" altLang="en-US"/>
           </a:p>
@@ -2027,7 +2027,7 @@
           <a:p>
             <a:fld id="{89052D16-0D82-47A9-B2A4-95C7DC51A569}" type="datetimeFigureOut">
               <a:rPr lang="zh-CN" altLang="en-US" smtClean="0"/>
-              <a:t>2016/4/8</a:t>
+              <a:t>2016/4/11</a:t>
             </a:fld>
             <a:endParaRPr lang="zh-CN" altLang="en-US"/>
           </a:p>
@@ -2887,7 +2887,7 @@
           <a:p>
             <a:fld id="{89052D16-0D82-47A9-B2A4-95C7DC51A569}" type="datetimeFigureOut">
               <a:rPr lang="zh-CN" altLang="en-US" smtClean="0"/>
-              <a:t>2016/4/8</a:t>
+              <a:t>2016/4/11</a:t>
             </a:fld>
             <a:endParaRPr lang="zh-CN" altLang="en-US"/>
           </a:p>
@@ -3057,7 +3057,7 @@
           <a:p>
             <a:fld id="{89052D16-0D82-47A9-B2A4-95C7DC51A569}" type="datetimeFigureOut">
               <a:rPr lang="zh-CN" altLang="en-US" smtClean="0"/>
-              <a:t>2016/4/8</a:t>
+              <a:t>2016/4/11</a:t>
             </a:fld>
             <a:endParaRPr lang="zh-CN" altLang="en-US"/>
           </a:p>
@@ -3237,7 +3237,7 @@
           <a:p>
             <a:fld id="{89052D16-0D82-47A9-B2A4-95C7DC51A569}" type="datetimeFigureOut">
               <a:rPr lang="zh-CN" altLang="en-US" smtClean="0"/>
-              <a:t>2016/4/8</a:t>
+              <a:t>2016/4/11</a:t>
             </a:fld>
             <a:endParaRPr lang="zh-CN" altLang="en-US"/>
           </a:p>
@@ -3407,7 +3407,7 @@
           <a:p>
             <a:fld id="{89052D16-0D82-47A9-B2A4-95C7DC51A569}" type="datetimeFigureOut">
               <a:rPr lang="zh-CN" altLang="en-US" smtClean="0"/>
-              <a:t>2016/4/8</a:t>
+              <a:t>2016/4/11</a:t>
             </a:fld>
             <a:endParaRPr lang="zh-CN" altLang="en-US"/>
           </a:p>
@@ -3654,7 +3654,7 @@
           <a:p>
             <a:fld id="{89052D16-0D82-47A9-B2A4-95C7DC51A569}" type="datetimeFigureOut">
               <a:rPr lang="zh-CN" altLang="en-US" smtClean="0"/>
-              <a:t>2016/4/8</a:t>
+              <a:t>2016/4/11</a:t>
             </a:fld>
             <a:endParaRPr lang="zh-CN" altLang="en-US"/>
           </a:p>
@@ -3946,7 +3946,7 @@
           <a:p>
             <a:fld id="{89052D16-0D82-47A9-B2A4-95C7DC51A569}" type="datetimeFigureOut">
               <a:rPr lang="zh-CN" altLang="en-US" smtClean="0"/>
-              <a:t>2016/4/8</a:t>
+              <a:t>2016/4/11</a:t>
             </a:fld>
             <a:endParaRPr lang="zh-CN" altLang="en-US"/>
           </a:p>
@@ -4390,7 +4390,7 @@
           <a:p>
             <a:fld id="{89052D16-0D82-47A9-B2A4-95C7DC51A569}" type="datetimeFigureOut">
               <a:rPr lang="zh-CN" altLang="en-US" smtClean="0"/>
-              <a:t>2016/4/8</a:t>
+              <a:t>2016/4/11</a:t>
             </a:fld>
             <a:endParaRPr lang="zh-CN" altLang="en-US"/>
           </a:p>
@@ -4508,7 +4508,7 @@
           <a:p>
             <a:fld id="{89052D16-0D82-47A9-B2A4-95C7DC51A569}" type="datetimeFigureOut">
               <a:rPr lang="zh-CN" altLang="en-US" smtClean="0"/>
-              <a:t>2016/4/8</a:t>
+              <a:t>2016/4/11</a:t>
             </a:fld>
             <a:endParaRPr lang="zh-CN" altLang="en-US"/>
           </a:p>
@@ -4603,7 +4603,7 @@
           <a:p>
             <a:fld id="{89052D16-0D82-47A9-B2A4-95C7DC51A569}" type="datetimeFigureOut">
               <a:rPr lang="zh-CN" altLang="en-US" smtClean="0"/>
-              <a:t>2016/4/8</a:t>
+              <a:t>2016/4/11</a:t>
             </a:fld>
             <a:endParaRPr lang="zh-CN" altLang="en-US"/>
           </a:p>
@@ -4882,7 +4882,7 @@
           <a:p>
             <a:fld id="{89052D16-0D82-47A9-B2A4-95C7DC51A569}" type="datetimeFigureOut">
               <a:rPr lang="zh-CN" altLang="en-US" smtClean="0"/>
-              <a:t>2016/4/8</a:t>
+              <a:t>2016/4/11</a:t>
             </a:fld>
             <a:endParaRPr lang="zh-CN" altLang="en-US"/>
           </a:p>
@@ -5157,7 +5157,7 @@
           <a:p>
             <a:fld id="{89052D16-0D82-47A9-B2A4-95C7DC51A569}" type="datetimeFigureOut">
               <a:rPr lang="zh-CN" altLang="en-US" smtClean="0"/>
-              <a:t>2016/4/8</a:t>
+              <a:t>2016/4/11</a:t>
             </a:fld>
             <a:endParaRPr lang="zh-CN" altLang="en-US"/>
           </a:p>
@@ -5586,7 +5586,7 @@
           <a:p>
             <a:fld id="{89052D16-0D82-47A9-B2A4-95C7DC51A569}" type="datetimeFigureOut">
               <a:rPr lang="zh-CN" altLang="en-US" smtClean="0"/>
-              <a:t>2016/4/8</a:t>
+              <a:t>2016/4/11</a:t>
             </a:fld>
             <a:endParaRPr lang="zh-CN" altLang="en-US"/>
           </a:p>
@@ -6166,38 +6166,21 @@
         </p:nvSpPr>
         <p:spPr>
           <a:xfrm>
-            <a:off x="6072996" y="1320247"/>
-            <a:ext cx="5822682" cy="1069270"/>
+            <a:off x="9541025" y="1562524"/>
+            <a:ext cx="1309112" cy="387243"/>
           </a:xfrm>
         </p:spPr>
         <p:txBody>
           <a:bodyPr>
-            <a:normAutofit fontScale="92500" lnSpcReduction="20000"/>
+            <a:normAutofit lnSpcReduction="10000"/>
           </a:bodyPr>
           <a:lstStyle/>
           <a:p>
             <a:r>
-              <a:rPr lang="zh-CN" altLang="en-US" dirty="0" smtClean="0"/>
-              <a:t>                                              西南石油大学</a:t>
+              <a:rPr lang="en-US" altLang="zh-CN" dirty="0" smtClean="0"/>
+              <a:t>cheery</a:t>
             </a:r>
             <a:endParaRPr lang="en-US" altLang="zh-CN" dirty="0" smtClean="0"/>
-          </a:p>
-          <a:p>
-            <a:r>
-              <a:rPr lang="en-US" altLang="zh-CN" dirty="0" smtClean="0"/>
-              <a:t>                                                    </a:t>
-            </a:r>
-            <a:r>
-              <a:rPr lang="zh-CN" altLang="en-US" dirty="0" smtClean="0"/>
-              <a:t>网络联盟团队</a:t>
-            </a:r>
-            <a:endParaRPr lang="en-US" altLang="zh-CN" dirty="0" smtClean="0"/>
-          </a:p>
-          <a:p>
-            <a:r>
-              <a:rPr lang="en-US" altLang="zh-CN" dirty="0" smtClean="0"/>
-              <a:t>                                                            cheery</a:t>
-            </a:r>
           </a:p>
         </p:txBody>
       </p:sp>
